--- a/presentation_test.pptx
+++ b/presentation_test.pptx
@@ -13,6 +13,10 @@
   <p:sldIdLst xmlns:a="http://schemas.openxmlformats.org/drawingml/2006/main" xmlns:r="http://schemas.openxmlformats.org/officeDocument/2006/relationships" xmlns:p="http://schemas.openxmlformats.org/presentationml/2006/main">
     <p:sldId id="256" r:id="rId9"/>
     <p:sldId id="257" r:id="rId10"/>
+    <p:sldId id="258" r:id="rId11"/>
+    <p:sldId id="259" r:id="rId12"/>
+    <p:sldId id="260" r:id="rId13"/>
+    <p:sldId id="261" r:id="rId14"/>
   </p:sldIdLst>
   <p:sldSz cx="12192000" cy="6858000"/>
   <p:notesSz cx="6858000" cy="9144000"/>
@@ -231,7 +235,7 @@
           <a:p>
             <a:fld id="{97D9A1BA-3B71-4204-B564-DAF178BB8FA2}" type="datetimeFigureOut">
               <a:rPr lang="fr-FR" smtClean="0"/>
-              <a:t>15/07/2020</a:t>
+              <a:t>16/07/2020</a:t>
             </a:fld>
             <a:endParaRPr lang="fr-FR"/>
           </a:p>
@@ -412,7 +416,7 @@
           <a:p>
             <a:fld id="{09D539D4-D68A-4633-AE87-63C75E253848}" type="datetimeFigureOut">
               <a:rPr lang="fr-FR" smtClean="0"/>
-              <a:t>15/07/2020</a:t>
+              <a:t>16/07/2020</a:t>
             </a:fld>
             <a:endParaRPr lang="fr-FR"/>
           </a:p>
@@ -681,7 +685,7 @@
 </file>
 
 <file path=ppt/slideLayouts/slideLayout1.xml><?xml version="1.0" encoding="utf-8"?>
-<p:sldLayout xmlns:a="http://schemas.openxmlformats.org/drawingml/2006/main" xmlns:r="http://schemas.openxmlformats.org/officeDocument/2006/relationships" xmlns:p="http://schemas.openxmlformats.org/presentationml/2006/main" showMasterSp="0" type="title" preserve="1">
+<p:sldLayout xmlns:a="http://schemas.openxmlformats.org/drawingml/2006/main" xmlns:r="http://schemas.openxmlformats.org/officeDocument/2006/relationships" xmlns:p="http://schemas.openxmlformats.org/presentationml/2006/main" showMasterSp="0" preserve="1" userDrawn="1">
   <p:cSld name="Diapositive de titre">
     <p:spTree>
       <p:nvGrpSpPr>
@@ -9367,89 +9371,6 @@
             <a:r>
               <a:rPr lang="fr-FR" dirty="0"/>
               <a:t>Identité du pingouin</a:t>
-            </a:r>
-            <a:endParaRPr lang="en-US" dirty="0"/>
-          </a:p>
-        </p:txBody>
-      </p:sp>
-      <p:sp>
-        <p:nvSpPr>
-          <p:cNvPr id="3" name="Subtitle 2"/>
-          <p:cNvSpPr>
-            <a:spLocks noGrp="1"/>
-          </p:cNvSpPr>
-          <p:nvPr>
-            <p:ph type="subTitle" idx="1" hasCustomPrompt="1"/>
-          </p:nvPr>
-        </p:nvSpPr>
-        <p:spPr>
-          <a:xfrm>
-            <a:off x="8610600" y="4960137"/>
-            <a:ext cx="3200400" cy="1463040"/>
-          </a:xfrm>
-        </p:spPr>
-        <p:txBody>
-          <a:bodyPr lIns="91440" rIns="91440" anchor="ctr">
-            <a:normAutofit/>
-          </a:bodyPr>
-          <a:lstStyle>
-            <a:lvl1pPr marL="0" indent="0" algn="l">
-              <a:lnSpc>
-                <a:spcPct val="100000"/>
-              </a:lnSpc>
-              <a:spcBef>
-                <a:spcPts val="0"/>
-              </a:spcBef>
-              <a:spcAft>
-                <a:spcPts val="0"/>
-              </a:spcAft>
-              <a:buNone/>
-              <a:defRPr sz="1800">
-                <a:solidFill>
-                  <a:schemeClr val="tx1">
-                    <a:lumMod val="95000"/>
-                    <a:lumOff val="5000"/>
-                  </a:schemeClr>
-                </a:solidFill>
-              </a:defRPr>
-            </a:lvl1pPr>
-            <a:lvl2pPr marL="457200" indent="0" algn="ctr">
-              <a:buNone/>
-              <a:defRPr sz="1800"/>
-            </a:lvl2pPr>
-            <a:lvl3pPr marL="914400" indent="0" algn="ctr">
-              <a:buNone/>
-              <a:defRPr sz="1800"/>
-            </a:lvl3pPr>
-            <a:lvl4pPr marL="1371600" indent="0" algn="ctr">
-              <a:buNone/>
-              <a:defRPr sz="1800"/>
-            </a:lvl4pPr>
-            <a:lvl5pPr marL="1828800" indent="0" algn="ctr">
-              <a:buNone/>
-              <a:defRPr sz="1800"/>
-            </a:lvl5pPr>
-            <a:lvl6pPr marL="2286000" indent="0" algn="ctr">
-              <a:buNone/>
-              <a:defRPr sz="1800"/>
-            </a:lvl6pPr>
-            <a:lvl7pPr marL="2743200" indent="0" algn="ctr">
-              <a:buNone/>
-              <a:defRPr sz="1800"/>
-            </a:lvl7pPr>
-            <a:lvl8pPr marL="3200400" indent="0" algn="ctr">
-              <a:buNone/>
-              <a:defRPr sz="1800"/>
-            </a:lvl8pPr>
-            <a:lvl9pPr marL="3657600" indent="0" algn="ctr">
-              <a:buNone/>
-              <a:defRPr sz="1800"/>
-            </a:lvl9pPr>
-          </a:lstStyle>
-          <a:p>
-            <a:r>
-              <a:rPr lang="fr-FR" dirty="0"/>
-              <a:t>Année et première ou deuxième portée</a:t>
             </a:r>
             <a:endParaRPr lang="en-US" dirty="0"/>
           </a:p>
@@ -9534,6 +9455,42 @@
               </a:rPr>
               <a:t>Evolution du poids du pingouin</a:t>
             </a:r>
+          </a:p>
+        </p:txBody>
+      </p:sp>
+      <p:sp>
+        <p:nvSpPr>
+          <p:cNvPr id="5" name="Espace réservé du tableau 4">
+            <a:extLst>
+              <a:ext uri="{FF2B5EF4-FFF2-40B4-BE49-F238E27FC236}">
+                <a16:creationId xmlns:a16="http://schemas.microsoft.com/office/drawing/2014/main" id="{23E1F9F0-2766-46FE-BB90-678439DA78BC}"/>
+              </a:ext>
+            </a:extLst>
+          </p:cNvPr>
+          <p:cNvSpPr>
+            <a:spLocks noGrp="1"/>
+          </p:cNvSpPr>
+          <p:nvPr>
+            <p:ph type="tbl" sz="quarter" idx="10"/>
+          </p:nvPr>
+        </p:nvSpPr>
+        <p:spPr>
+          <a:xfrm>
+            <a:off x="8509000" y="5264106"/>
+            <a:ext cx="3225800" cy="397032"/>
+          </a:xfrm>
+        </p:spPr>
+        <p:txBody>
+          <a:bodyPr>
+            <a:spAutoFit/>
+          </a:bodyPr>
+          <a:lstStyle>
+            <a:lvl1pPr algn="ctr">
+              <a:defRPr/>
+            </a:lvl1pPr>
+          </a:lstStyle>
+          <a:p>
+            <a:endParaRPr lang="fr-FR" dirty="0"/>
           </a:p>
         </p:txBody>
       </p:sp>
@@ -10620,7 +10577,131 @@
                 </a:solidFill>
                 <a:latin typeface="+mj-lt"/>
               </a:rPr>
-              <a:t>CETTE PRÉSENTATION VOUS A DONNÉE DES IDÉES, DES ENVIES ???</a:t>
+              <a:t>CETTE PRÉSENTATION VOUS A DONNÉ DES IDÉES, DES ENVIES ???</a:t>
+            </a:r>
+          </a:p>
+        </p:txBody>
+      </p:sp>
+      <p:pic>
+        <p:nvPicPr>
+          <p:cNvPr id="8" name="Graphique 7" descr="Flèche : demi-tour horizontal">
+            <a:extLst>
+              <a:ext uri="{FF2B5EF4-FFF2-40B4-BE49-F238E27FC236}">
+                <a16:creationId xmlns:a16="http://schemas.microsoft.com/office/drawing/2014/main" id="{2FD2357B-7145-4C0F-B0DC-3303653F0F0F}"/>
+              </a:ext>
+            </a:extLst>
+          </p:cNvPr>
+          <p:cNvPicPr>
+            <a:picLocks noChangeAspect="1"/>
+          </p:cNvPicPr>
+          <p:nvPr userDrawn="1"/>
+        </p:nvPicPr>
+        <p:blipFill>
+          <a:blip r:embed="rId6">
+            <a:extLst>
+              <a:ext uri="{28A0092B-C50C-407E-A947-70E740481C1C}">
+                <a14:useLocalDpi xmlns:a14="http://schemas.microsoft.com/office/drawing/2010/main" val="0"/>
+              </a:ext>
+              <a:ext uri="{96DAC541-7B7A-43D3-8B79-37D633B846F1}">
+                <asvg:svgBlip xmlns:asvg="http://schemas.microsoft.com/office/drawing/2016/SVG/main" r:embed="rId7"/>
+              </a:ext>
+            </a:extLst>
+          </a:blip>
+          <a:stretch>
+            <a:fillRect/>
+          </a:stretch>
+        </p:blipFill>
+        <p:spPr>
+          <a:xfrm>
+            <a:off x="10884693" y="5439324"/>
+            <a:ext cx="944515" cy="779768"/>
+          </a:xfrm>
+          <a:prstGeom prst="rect">
+            <a:avLst/>
+          </a:prstGeom>
+        </p:spPr>
+      </p:pic>
+      <p:sp>
+        <p:nvSpPr>
+          <p:cNvPr id="9" name="Espace réservé du contenu 5">
+            <a:extLst>
+              <a:ext uri="{FF2B5EF4-FFF2-40B4-BE49-F238E27FC236}">
+                <a16:creationId xmlns:a16="http://schemas.microsoft.com/office/drawing/2014/main" id="{B03E24B0-0FFB-41D2-9F57-117B504B8DDB}"/>
+              </a:ext>
+            </a:extLst>
+          </p:cNvPr>
+          <p:cNvSpPr>
+            <a:spLocks noGrp="1"/>
+          </p:cNvSpPr>
+          <p:nvPr>
+            <p:ph sz="quarter" idx="13"/>
+          </p:nvPr>
+        </p:nvSpPr>
+        <p:spPr>
+          <a:xfrm>
+            <a:off x="10771188" y="5324171"/>
+            <a:ext cx="1141412" cy="824583"/>
+          </a:xfrm>
+        </p:spPr>
+        <p:txBody>
+          <a:bodyPr>
+            <a:noAutofit/>
+          </a:bodyPr>
+          <a:lstStyle>
+            <a:lvl1pPr marL="0" indent="0">
+              <a:buNone/>
+              <a:defRPr sz="1100">
+                <a:solidFill>
+                  <a:schemeClr val="accent1">
+                    <a:lumMod val="75000"/>
+                  </a:schemeClr>
+                </a:solidFill>
+                <a:latin typeface="+mn-lt"/>
+                <a:cs typeface="Calibri" panose="020F0502020204030204" pitchFamily="34" charset="0"/>
+              </a:defRPr>
+            </a:lvl1pPr>
+            <a:lvl2pPr>
+              <a:defRPr sz="1100">
+                <a:solidFill>
+                  <a:srgbClr val="E40A4A"/>
+                </a:solidFill>
+                <a:latin typeface="Calibri" panose="020F0502020204030204" pitchFamily="34" charset="0"/>
+                <a:cs typeface="Calibri" panose="020F0502020204030204" pitchFamily="34" charset="0"/>
+              </a:defRPr>
+            </a:lvl2pPr>
+            <a:lvl3pPr>
+              <a:defRPr sz="1100">
+                <a:solidFill>
+                  <a:srgbClr val="E40A4A"/>
+                </a:solidFill>
+                <a:latin typeface="Calibri" panose="020F0502020204030204" pitchFamily="34" charset="0"/>
+                <a:cs typeface="Calibri" panose="020F0502020204030204" pitchFamily="34" charset="0"/>
+              </a:defRPr>
+            </a:lvl3pPr>
+            <a:lvl4pPr>
+              <a:defRPr sz="1100">
+                <a:solidFill>
+                  <a:srgbClr val="E40A4A"/>
+                </a:solidFill>
+                <a:latin typeface="Calibri" panose="020F0502020204030204" pitchFamily="34" charset="0"/>
+                <a:cs typeface="Calibri" panose="020F0502020204030204" pitchFamily="34" charset="0"/>
+              </a:defRPr>
+            </a:lvl4pPr>
+            <a:lvl5pPr>
+              <a:defRPr sz="1100">
+                <a:solidFill>
+                  <a:srgbClr val="E40A4A"/>
+                </a:solidFill>
+                <a:latin typeface="Calibri" panose="020F0502020204030204" pitchFamily="34" charset="0"/>
+                <a:cs typeface="Calibri" panose="020F0502020204030204" pitchFamily="34" charset="0"/>
+              </a:defRPr>
+            </a:lvl5pPr>
+          </a:lstStyle>
+          <a:p>
+            <a:pPr lvl="0"/>
+            <a:r>
+              <a:rPr lang="fr-FR" dirty="0"/>
+              <a:t>Cliquez pour modifier les styles du texte du masque</a:t>
             </a:r>
           </a:p>
         </p:txBody>
@@ -11560,7 +11641,7 @@
         <p:spPr>
           <a:xfrm>
             <a:off x="860274" y="979458"/>
-            <a:ext cx="4293193" cy="468313"/>
+            <a:ext cx="9720640" cy="468313"/>
           </a:xfrm>
           <a:prstGeom prst="rect">
             <a:avLst/>
@@ -11658,7 +11739,7 @@
       </p:pic>
       <p:sp>
         <p:nvSpPr>
-          <p:cNvPr id="2" name="Title 1"/>
+          <p:cNvPr id="2" name="Title 1" descr="titre"/>
           <p:cNvSpPr>
             <a:spLocks noGrp="1"/>
           </p:cNvSpPr>
@@ -11689,64 +11770,7 @@
             </a:lvl1pPr>
           </a:lstStyle>
           <a:p>
-            <a:r>
-              <a:rPr lang="fr-FR" dirty="0"/>
-              <a:t>Modifiez le style du titre</a:t>
-            </a:r>
             <a:endParaRPr lang="en-US" dirty="0"/>
-          </a:p>
-        </p:txBody>
-      </p:sp>
-      <p:sp>
-        <p:nvSpPr>
-          <p:cNvPr id="4" name="Espace réservé du texte 3">
-            <a:extLst>
-              <a:ext uri="{FF2B5EF4-FFF2-40B4-BE49-F238E27FC236}">
-                <a16:creationId xmlns:a16="http://schemas.microsoft.com/office/drawing/2014/main" id="{D4749D67-F126-4FCA-9238-48562163B756}"/>
-              </a:ext>
-            </a:extLst>
-          </p:cNvPr>
-          <p:cNvSpPr>
-            <a:spLocks noGrp="1"/>
-          </p:cNvSpPr>
-          <p:nvPr>
-            <p:ph type="body" sz="quarter" idx="10" hasCustomPrompt="1"/>
-          </p:nvPr>
-        </p:nvSpPr>
-        <p:spPr>
-          <a:xfrm>
-            <a:off x="0" y="1174985"/>
-            <a:ext cx="1263159" cy="246827"/>
-          </a:xfrm>
-          <a:prstGeom prst="rect">
-            <a:avLst/>
-          </a:prstGeom>
-        </p:spPr>
-        <p:txBody>
-          <a:bodyPr>
-            <a:noAutofit/>
-          </a:bodyPr>
-          <a:lstStyle>
-            <a:lvl1pPr marL="0" indent="0" algn="ctr">
-              <a:buNone/>
-              <a:defRPr sz="1200"/>
-            </a:lvl1pPr>
-          </a:lstStyle>
-          <a:p>
-            <a:pPr lvl="0"/>
-            <a:r>
-              <a:rPr lang="fr-FR" dirty="0" err="1"/>
-              <a:t>Identite</a:t>
-            </a:r>
-            <a:r>
-              <a:rPr lang="fr-FR" dirty="0"/>
-              <a:t> du </a:t>
-            </a:r>
-            <a:r>
-              <a:rPr lang="fr-FR" dirty="0" err="1"/>
-              <a:t>penguin</a:t>
-            </a:r>
-            <a:endParaRPr lang="fr-FR" dirty="0"/>
           </a:p>
         </p:txBody>
       </p:sp>
@@ -11774,68 +11798,6 @@
           <a:prstGeom prst="rect">
             <a:avLst/>
           </a:prstGeom>
-        </p:spPr>
-        <p:txBody>
-          <a:bodyPr/>
-          <a:lstStyle/>
-          <a:p>
-            <a:pPr lvl="0"/>
-            <a:r>
-              <a:rPr lang="fr-FR" dirty="0"/>
-              <a:t>Cliquez pour modifier les styles du texte du masque</a:t>
-            </a:r>
-          </a:p>
-          <a:p>
-            <a:pPr lvl="1"/>
-            <a:r>
-              <a:rPr lang="fr-FR" dirty="0"/>
-              <a:t>Deuxième niveau</a:t>
-            </a:r>
-          </a:p>
-          <a:p>
-            <a:pPr lvl="2"/>
-            <a:r>
-              <a:rPr lang="fr-FR" dirty="0"/>
-              <a:t>Troisième niveau</a:t>
-            </a:r>
-          </a:p>
-          <a:p>
-            <a:pPr lvl="3"/>
-            <a:r>
-              <a:rPr lang="fr-FR" dirty="0"/>
-              <a:t>Quatrième niveau</a:t>
-            </a:r>
-          </a:p>
-          <a:p>
-            <a:pPr lvl="4"/>
-            <a:r>
-              <a:rPr lang="fr-FR" dirty="0"/>
-              <a:t>Cinquième niveau</a:t>
-            </a:r>
-          </a:p>
-        </p:txBody>
-      </p:sp>
-      <p:sp>
-        <p:nvSpPr>
-          <p:cNvPr id="13" name="Espace réservé du contenu 12">
-            <a:extLst>
-              <a:ext uri="{FF2B5EF4-FFF2-40B4-BE49-F238E27FC236}">
-                <a16:creationId xmlns:a16="http://schemas.microsoft.com/office/drawing/2014/main" id="{7B1E258A-8CA0-4E39-9E62-F7C28FDBD814}"/>
-              </a:ext>
-            </a:extLst>
-          </p:cNvPr>
-          <p:cNvSpPr>
-            <a:spLocks noGrp="1"/>
-          </p:cNvSpPr>
-          <p:nvPr>
-            <p:ph sz="quarter" idx="12"/>
-          </p:nvPr>
-        </p:nvSpPr>
-        <p:spPr>
-          <a:xfrm>
-            <a:off x="216877" y="275492"/>
-            <a:ext cx="867507" cy="803031"/>
-          </a:xfrm>
         </p:spPr>
         <p:txBody>
           <a:bodyPr/>
@@ -11962,6 +11924,130 @@
           </a:p>
         </p:txBody>
       </p:sp>
+      <p:sp>
+        <p:nvSpPr>
+          <p:cNvPr id="4" name="Espace réservé du contenu 3">
+            <a:extLst>
+              <a:ext uri="{FF2B5EF4-FFF2-40B4-BE49-F238E27FC236}">
+                <a16:creationId xmlns:a16="http://schemas.microsoft.com/office/drawing/2014/main" id="{705BE7F7-66D3-4707-BB6E-33A36E0EB35A}"/>
+              </a:ext>
+            </a:extLst>
+          </p:cNvPr>
+          <p:cNvSpPr>
+            <a:spLocks noGrp="1"/>
+          </p:cNvSpPr>
+          <p:nvPr>
+            <p:ph sz="quarter" idx="15"/>
+          </p:nvPr>
+        </p:nvSpPr>
+        <p:spPr>
+          <a:xfrm>
+            <a:off x="0" y="0"/>
+            <a:ext cx="1263650" cy="1157288"/>
+          </a:xfrm>
+        </p:spPr>
+        <p:txBody>
+          <a:bodyPr/>
+          <a:lstStyle/>
+          <a:p>
+            <a:pPr lvl="0"/>
+            <a:r>
+              <a:rPr lang="fr-FR"/>
+              <a:t>Cliquez pour modifier les styles du texte du masque</a:t>
+            </a:r>
+          </a:p>
+          <a:p>
+            <a:pPr lvl="1"/>
+            <a:r>
+              <a:rPr lang="fr-FR"/>
+              <a:t>Deuxième niveau</a:t>
+            </a:r>
+          </a:p>
+          <a:p>
+            <a:pPr lvl="2"/>
+            <a:r>
+              <a:rPr lang="fr-FR"/>
+              <a:t>Troisième niveau</a:t>
+            </a:r>
+          </a:p>
+          <a:p>
+            <a:pPr lvl="3"/>
+            <a:r>
+              <a:rPr lang="fr-FR"/>
+              <a:t>Quatrième niveau</a:t>
+            </a:r>
+          </a:p>
+          <a:p>
+            <a:pPr lvl="4"/>
+            <a:r>
+              <a:rPr lang="fr-FR"/>
+              <a:t>Cinquième niveau</a:t>
+            </a:r>
+          </a:p>
+        </p:txBody>
+      </p:sp>
+      <p:sp>
+        <p:nvSpPr>
+          <p:cNvPr id="9" name="Espace réservé du contenu 8">
+            <a:extLst>
+              <a:ext uri="{FF2B5EF4-FFF2-40B4-BE49-F238E27FC236}">
+                <a16:creationId xmlns:a16="http://schemas.microsoft.com/office/drawing/2014/main" id="{1008C411-FE6F-4A5B-8291-3D374A3E16DA}"/>
+              </a:ext>
+            </a:extLst>
+          </p:cNvPr>
+          <p:cNvSpPr>
+            <a:spLocks noGrp="1"/>
+          </p:cNvSpPr>
+          <p:nvPr>
+            <p:ph sz="quarter" idx="16"/>
+          </p:nvPr>
+        </p:nvSpPr>
+        <p:spPr>
+          <a:xfrm>
+            <a:off x="0" y="1157288"/>
+            <a:ext cx="1263650" cy="460375"/>
+          </a:xfrm>
+        </p:spPr>
+        <p:txBody>
+          <a:bodyPr/>
+          <a:lstStyle/>
+          <a:p>
+            <a:pPr lvl="0"/>
+            <a:r>
+              <a:rPr lang="fr-FR"/>
+              <a:t>Cliquez pour modifier les styles du texte du masque</a:t>
+            </a:r>
+          </a:p>
+          <a:p>
+            <a:pPr lvl="1"/>
+            <a:r>
+              <a:rPr lang="fr-FR"/>
+              <a:t>Deuxième niveau</a:t>
+            </a:r>
+          </a:p>
+          <a:p>
+            <a:pPr lvl="2"/>
+            <a:r>
+              <a:rPr lang="fr-FR"/>
+              <a:t>Troisième niveau</a:t>
+            </a:r>
+          </a:p>
+          <a:p>
+            <a:pPr lvl="3"/>
+            <a:r>
+              <a:rPr lang="fr-FR"/>
+              <a:t>Quatrième niveau</a:t>
+            </a:r>
+          </a:p>
+          <a:p>
+            <a:pPr lvl="4"/>
+            <a:r>
+              <a:rPr lang="fr-FR"/>
+              <a:t>Cinquième niveau</a:t>
+            </a:r>
+          </a:p>
+        </p:txBody>
+      </p:sp>
     </p:spTree>
     <p:extLst>
       <p:ext uri="{BB962C8B-B14F-4D97-AF65-F5344CB8AC3E}">
@@ -11976,7 +12062,7 @@
 </file>
 
 <file path=ppt/slideLayouts/slideLayout4.xml><?xml version="1.0" encoding="utf-8"?>
-<p:sldLayout xmlns:a="http://schemas.openxmlformats.org/drawingml/2006/main" xmlns:r="http://schemas.openxmlformats.org/officeDocument/2006/relationships" xmlns:p="http://schemas.openxmlformats.org/presentationml/2006/main" type="obj" preserve="1">
+<p:sldLayout xmlns:a="http://schemas.openxmlformats.org/drawingml/2006/main" xmlns:r="http://schemas.openxmlformats.org/officeDocument/2006/relationships" xmlns:p="http://schemas.openxmlformats.org/presentationml/2006/main" preserve="1" userDrawn="1">
   <p:cSld name="Titre et contenu">
     <p:spTree>
       <p:nvGrpSpPr>
@@ -12064,6 +12150,130 @@
               <a:t>Cinquième niveau</a:t>
             </a:r>
             <a:endParaRPr lang="en-US" dirty="0"/>
+          </a:p>
+        </p:txBody>
+      </p:sp>
+      <p:pic>
+        <p:nvPicPr>
+          <p:cNvPr id="4" name="Graphique 3" descr="Flèche : demi-tour horizontal">
+            <a:extLst>
+              <a:ext uri="{FF2B5EF4-FFF2-40B4-BE49-F238E27FC236}">
+                <a16:creationId xmlns:a16="http://schemas.microsoft.com/office/drawing/2014/main" id="{1184D9B8-F03E-4F47-84D3-F94F7B21FA69}"/>
+              </a:ext>
+            </a:extLst>
+          </p:cNvPr>
+          <p:cNvPicPr>
+            <a:picLocks noChangeAspect="1"/>
+          </p:cNvPicPr>
+          <p:nvPr userDrawn="1"/>
+        </p:nvPicPr>
+        <p:blipFill>
+          <a:blip r:embed="rId2">
+            <a:extLst>
+              <a:ext uri="{28A0092B-C50C-407E-A947-70E740481C1C}">
+                <a14:useLocalDpi xmlns:a14="http://schemas.microsoft.com/office/drawing/2010/main" val="0"/>
+              </a:ext>
+              <a:ext uri="{96DAC541-7B7A-43D3-8B79-37D633B846F1}">
+                <asvg:svgBlip xmlns:asvg="http://schemas.microsoft.com/office/drawing/2016/SVG/main" r:embed="rId3"/>
+              </a:ext>
+            </a:extLst>
+          </a:blip>
+          <a:stretch>
+            <a:fillRect/>
+          </a:stretch>
+        </p:blipFill>
+        <p:spPr>
+          <a:xfrm>
+            <a:off x="10884693" y="5439324"/>
+            <a:ext cx="944515" cy="779768"/>
+          </a:xfrm>
+          <a:prstGeom prst="rect">
+            <a:avLst/>
+          </a:prstGeom>
+        </p:spPr>
+      </p:pic>
+      <p:sp>
+        <p:nvSpPr>
+          <p:cNvPr id="5" name="Espace réservé du contenu 5">
+            <a:extLst>
+              <a:ext uri="{FF2B5EF4-FFF2-40B4-BE49-F238E27FC236}">
+                <a16:creationId xmlns:a16="http://schemas.microsoft.com/office/drawing/2014/main" id="{8B2AE210-A494-40BA-B20B-2B814E49DC6A}"/>
+              </a:ext>
+            </a:extLst>
+          </p:cNvPr>
+          <p:cNvSpPr>
+            <a:spLocks noGrp="1"/>
+          </p:cNvSpPr>
+          <p:nvPr>
+            <p:ph sz="quarter" idx="13"/>
+          </p:nvPr>
+        </p:nvSpPr>
+        <p:spPr>
+          <a:xfrm>
+            <a:off x="10771188" y="5324171"/>
+            <a:ext cx="1141412" cy="824583"/>
+          </a:xfrm>
+        </p:spPr>
+        <p:txBody>
+          <a:bodyPr>
+            <a:noAutofit/>
+          </a:bodyPr>
+          <a:lstStyle>
+            <a:lvl1pPr marL="0" indent="0">
+              <a:buNone/>
+              <a:defRPr sz="1100">
+                <a:solidFill>
+                  <a:schemeClr val="accent1">
+                    <a:lumMod val="75000"/>
+                  </a:schemeClr>
+                </a:solidFill>
+                <a:latin typeface="+mn-lt"/>
+                <a:cs typeface="Calibri" panose="020F0502020204030204" pitchFamily="34" charset="0"/>
+              </a:defRPr>
+            </a:lvl1pPr>
+            <a:lvl2pPr>
+              <a:defRPr sz="1100">
+                <a:solidFill>
+                  <a:srgbClr val="E40A4A"/>
+                </a:solidFill>
+                <a:latin typeface="Calibri" panose="020F0502020204030204" pitchFamily="34" charset="0"/>
+                <a:cs typeface="Calibri" panose="020F0502020204030204" pitchFamily="34" charset="0"/>
+              </a:defRPr>
+            </a:lvl2pPr>
+            <a:lvl3pPr>
+              <a:defRPr sz="1100">
+                <a:solidFill>
+                  <a:srgbClr val="E40A4A"/>
+                </a:solidFill>
+                <a:latin typeface="Calibri" panose="020F0502020204030204" pitchFamily="34" charset="0"/>
+                <a:cs typeface="Calibri" panose="020F0502020204030204" pitchFamily="34" charset="0"/>
+              </a:defRPr>
+            </a:lvl3pPr>
+            <a:lvl4pPr>
+              <a:defRPr sz="1100">
+                <a:solidFill>
+                  <a:srgbClr val="E40A4A"/>
+                </a:solidFill>
+                <a:latin typeface="Calibri" panose="020F0502020204030204" pitchFamily="34" charset="0"/>
+                <a:cs typeface="Calibri" panose="020F0502020204030204" pitchFamily="34" charset="0"/>
+              </a:defRPr>
+            </a:lvl4pPr>
+            <a:lvl5pPr>
+              <a:defRPr sz="1100">
+                <a:solidFill>
+                  <a:srgbClr val="E40A4A"/>
+                </a:solidFill>
+                <a:latin typeface="Calibri" panose="020F0502020204030204" pitchFamily="34" charset="0"/>
+                <a:cs typeface="Calibri" panose="020F0502020204030204" pitchFamily="34" charset="0"/>
+              </a:defRPr>
+            </a:lvl5pPr>
+          </a:lstStyle>
+          <a:p>
+            <a:pPr lvl="0"/>
+            <a:r>
+              <a:rPr lang="fr-FR" dirty="0"/>
+              <a:t>Cliquez pour modifier les styles du texte du masque</a:t>
+            </a:r>
           </a:p>
         </p:txBody>
       </p:sp>
@@ -21336,6 +21546,130 @@
             <a:r>
               <a:rPr lang="fr-FR" sz="2400" dirty="0"/>
               <a:t>Statut : En recherche de contrats et/ou missions à partir de décembre</a:t>
+            </a:r>
+          </a:p>
+        </p:txBody>
+      </p:sp>
+      <p:pic>
+        <p:nvPicPr>
+          <p:cNvPr id="4" name="Graphique 3" descr="Flèche : demi-tour horizontal">
+            <a:extLst>
+              <a:ext uri="{FF2B5EF4-FFF2-40B4-BE49-F238E27FC236}">
+                <a16:creationId xmlns:a16="http://schemas.microsoft.com/office/drawing/2014/main" id="{5D734DF7-690A-4301-A7EB-10C9917DFFCB}"/>
+              </a:ext>
+            </a:extLst>
+          </p:cNvPr>
+          <p:cNvPicPr>
+            <a:picLocks noChangeAspect="1"/>
+          </p:cNvPicPr>
+          <p:nvPr userDrawn="1"/>
+        </p:nvPicPr>
+        <p:blipFill>
+          <a:blip r:embed="rId2">
+            <a:extLst>
+              <a:ext uri="{28A0092B-C50C-407E-A947-70E740481C1C}">
+                <a14:useLocalDpi xmlns:a14="http://schemas.microsoft.com/office/drawing/2010/main" val="0"/>
+              </a:ext>
+              <a:ext uri="{96DAC541-7B7A-43D3-8B79-37D633B846F1}">
+                <asvg:svgBlip xmlns:asvg="http://schemas.microsoft.com/office/drawing/2016/SVG/main" r:embed="rId3"/>
+              </a:ext>
+            </a:extLst>
+          </a:blip>
+          <a:stretch>
+            <a:fillRect/>
+          </a:stretch>
+        </p:blipFill>
+        <p:spPr>
+          <a:xfrm>
+            <a:off x="10884693" y="5439324"/>
+            <a:ext cx="944515" cy="779768"/>
+          </a:xfrm>
+          <a:prstGeom prst="rect">
+            <a:avLst/>
+          </a:prstGeom>
+        </p:spPr>
+      </p:pic>
+      <p:sp>
+        <p:nvSpPr>
+          <p:cNvPr id="5" name="Espace réservé du contenu 5">
+            <a:extLst>
+              <a:ext uri="{FF2B5EF4-FFF2-40B4-BE49-F238E27FC236}">
+                <a16:creationId xmlns:a16="http://schemas.microsoft.com/office/drawing/2014/main" id="{7CB7B955-42C1-4368-A0DD-40A487B84FDA}"/>
+              </a:ext>
+            </a:extLst>
+          </p:cNvPr>
+          <p:cNvSpPr>
+            <a:spLocks noGrp="1"/>
+          </p:cNvSpPr>
+          <p:nvPr>
+            <p:ph sz="quarter" idx="13"/>
+          </p:nvPr>
+        </p:nvSpPr>
+        <p:spPr>
+          <a:xfrm>
+            <a:off x="10771188" y="5324171"/>
+            <a:ext cx="1141412" cy="824583"/>
+          </a:xfrm>
+        </p:spPr>
+        <p:txBody>
+          <a:bodyPr>
+            <a:noAutofit/>
+          </a:bodyPr>
+          <a:lstStyle>
+            <a:lvl1pPr marL="0" indent="0">
+              <a:buNone/>
+              <a:defRPr sz="1100">
+                <a:solidFill>
+                  <a:schemeClr val="accent1">
+                    <a:lumMod val="75000"/>
+                  </a:schemeClr>
+                </a:solidFill>
+                <a:latin typeface="+mn-lt"/>
+                <a:cs typeface="Calibri" panose="020F0502020204030204" pitchFamily="34" charset="0"/>
+              </a:defRPr>
+            </a:lvl1pPr>
+            <a:lvl2pPr>
+              <a:defRPr sz="1100">
+                <a:solidFill>
+                  <a:srgbClr val="E40A4A"/>
+                </a:solidFill>
+                <a:latin typeface="Calibri" panose="020F0502020204030204" pitchFamily="34" charset="0"/>
+                <a:cs typeface="Calibri" panose="020F0502020204030204" pitchFamily="34" charset="0"/>
+              </a:defRPr>
+            </a:lvl2pPr>
+            <a:lvl3pPr>
+              <a:defRPr sz="1100">
+                <a:solidFill>
+                  <a:srgbClr val="E40A4A"/>
+                </a:solidFill>
+                <a:latin typeface="Calibri" panose="020F0502020204030204" pitchFamily="34" charset="0"/>
+                <a:cs typeface="Calibri" panose="020F0502020204030204" pitchFamily="34" charset="0"/>
+              </a:defRPr>
+            </a:lvl3pPr>
+            <a:lvl4pPr>
+              <a:defRPr sz="1100">
+                <a:solidFill>
+                  <a:srgbClr val="E40A4A"/>
+                </a:solidFill>
+                <a:latin typeface="Calibri" panose="020F0502020204030204" pitchFamily="34" charset="0"/>
+                <a:cs typeface="Calibri" panose="020F0502020204030204" pitchFamily="34" charset="0"/>
+              </a:defRPr>
+            </a:lvl4pPr>
+            <a:lvl5pPr>
+              <a:defRPr sz="1100">
+                <a:solidFill>
+                  <a:srgbClr val="E40A4A"/>
+                </a:solidFill>
+                <a:latin typeface="Calibri" panose="020F0502020204030204" pitchFamily="34" charset="0"/>
+                <a:cs typeface="Calibri" panose="020F0502020204030204" pitchFamily="34" charset="0"/>
+              </a:defRPr>
+            </a:lvl5pPr>
+          </a:lstStyle>
+          <a:p>
+            <a:pPr lvl="0"/>
+            <a:r>
+              <a:rPr lang="fr-FR" dirty="0"/>
+              <a:t>Cliquez pour modifier les styles du texte du masque</a:t>
             </a:r>
           </a:p>
         </p:txBody>
@@ -22567,17 +22901,17 @@
       </p:sp>
       <p:graphicFrame xmlns:a="http://schemas.openxmlformats.org/drawingml/2006/main" xmlns:r="http://schemas.openxmlformats.org/officeDocument/2006/relationships" xmlns:p="http://schemas.openxmlformats.org/presentationml/2006/main">
         <p:nvGraphicFramePr>
-          <p:cNvPr id="3" name="Subtitle 2"/>
+          <p:cNvPr id="3" name="Espace réservé du tableau 4"/>
           <p:cNvGraphicFramePr>
             <a:graphicFrameLocks noGrp="1"/>
           </p:cNvGraphicFramePr>
           <p:nvPr>
-            <p:ph type="subTitle" idx="1" hasCustomPrompt="1"/>
+            <p:ph type="tbl" sz="quarter" idx="10"/>
           </p:nvPr>
         </p:nvGraphicFramePr>
         <p:xfrm rot="-0">
-          <a:off x="8610600" y="4960137"/>
-          <a:ext cx="3200400" cy="1463040"/>
+          <a:off x="8509000" y="5264106"/>
+          <a:ext cx="3225800" cy="397032"/>
         </p:xfrm>
         <a:graphic>
           <a:graphicData uri="http://schemas.openxmlformats.org/drawingml/2006/table">
@@ -22586,10 +22920,10 @@
                 <a:tableStyleId>{5C22544A-7EE6-4342-B048-85BDC9FD1C3A}</a:tableStyleId>
               </a:tblPr>
               <a:tblGrid>
-                <a:gridCol w="1600200"/>
-                <a:gridCol w="1600200"/>
+                <a:gridCol w="1612900"/>
+                <a:gridCol w="1612900"/>
               </a:tblGrid>
-              <a:tr h="1463040">
+              <a:tr h="397032">
                 <a:tc>
                   <a:txBody>
                     <a:bodyPr/>
@@ -22615,7 +22949,7 @@
                   </a:txBody>
                 </a:tc>
               </a:tr>
-              <a:tr h="1463040">
+              <a:tr h="397032">
                 <a:tc>
                   <a:txBody>
                     <a:bodyPr/>
@@ -22683,7 +23017,7 @@
         <p:spPr>
           <a:xfrm>
             <a:off x="860274" y="979458"/>
-            <a:ext cx="4293193" cy="468313"/>
+            <a:ext cx="9720640" cy="468313"/>
           </a:xfrm>
         </p:spPr>
         <p:txBody>
@@ -22692,7 +23026,498 @@
           <a:p>
             <a:r>
               <a:rPr/>
-              <a:t>-0.993421052631561 308</a:t>
+              <a:t>Numéro d'identification du pingouin : -0.993421052631561 308</a:t>
+            </a:r>
+          </a:p>
+        </p:txBody>
+      </p:sp>
+      <p:sp xmlns:a="http://schemas.openxmlformats.org/drawingml/2006/main" xmlns:r="http://schemas.openxmlformats.org/officeDocument/2006/relationships" xmlns:p="http://schemas.openxmlformats.org/presentationml/2006/main">
+        <p:nvSpPr>
+          <p:cNvPr id="3" name="Espace réservé du texte 9">
+            <a:hlinkClick xmlns:a="http://schemas.openxmlformats.org/drawingml/2006/main" xmlns:r="http://schemas.openxmlformats.org/officeDocument/2006/relationships" r:id="rId2" action="ppaction://hlinksldjump"/>
+          </p:cNvPr>
+          <p:cNvSpPr>
+            <a:spLocks noGrp="1"/>
+          </p:cNvSpPr>
+          <p:nvPr>
+            <p:ph type="body" sz="quarter" idx="10"/>
+          </p:nvPr>
+        </p:nvSpPr>
+        <p:spPr>
+          <a:xfrm>
+            <a:off x="838200" y="1853601"/>
+            <a:ext cx="10515600" cy="471489"/>
+          </a:xfrm>
+        </p:spPr>
+        <p:txBody>
+          <a:bodyPr/>
+          <a:lstStyle/>
+          <a:p>
+            <a:r>
+              <a:rPr/>
+              <a:t>Information sur Marie Vaugoyeau</a:t>
+            </a:r>
+          </a:p>
+        </p:txBody>
+      </p:sp>
+      <p:sp xmlns:a="http://schemas.openxmlformats.org/drawingml/2006/main" xmlns:r="http://schemas.openxmlformats.org/officeDocument/2006/relationships" xmlns:p="http://schemas.openxmlformats.org/presentationml/2006/main">
+        <p:nvSpPr>
+          <p:cNvPr id="4" name="Espace réservé du texte 11">
+            <a:hlinkClick xmlns:a="http://schemas.openxmlformats.org/drawingml/2006/main" xmlns:r="http://schemas.openxmlformats.org/officeDocument/2006/relationships" r:id="rId3" action="ppaction://hlinksldjump"/>
+          </p:cNvPr>
+          <p:cNvSpPr>
+            <a:spLocks noGrp="1"/>
+          </p:cNvSpPr>
+          <p:nvPr>
+            <p:ph type="body" sz="quarter" idx="11"/>
+          </p:nvPr>
+        </p:nvSpPr>
+        <p:spPr>
+          <a:xfrm>
+            <a:off x="838200" y="2425101"/>
+            <a:ext cx="10515600" cy="468313"/>
+          </a:xfrm>
+        </p:spPr>
+        <p:txBody>
+          <a:bodyPr/>
+          <a:lstStyle/>
+          <a:p>
+            <a:r>
+              <a:rPr/>
+              <a:t>Graphique Life Cycle Saving</a:t>
+            </a:r>
+          </a:p>
+        </p:txBody>
+      </p:sp>
+      <p:sp xmlns:a="http://schemas.openxmlformats.org/drawingml/2006/main" xmlns:r="http://schemas.openxmlformats.org/officeDocument/2006/relationships" xmlns:p="http://schemas.openxmlformats.org/presentationml/2006/main">
+        <p:nvSpPr>
+          <p:cNvPr id="5" name="Espace réservé du texte 13">
+            <a:hlinkClick xmlns:a="http://schemas.openxmlformats.org/drawingml/2006/main" xmlns:r="http://schemas.openxmlformats.org/officeDocument/2006/relationships" r:id="rId4" action="ppaction://hlinksldjump"/>
+          </p:cNvPr>
+          <p:cNvSpPr>
+            <a:spLocks noGrp="1"/>
+          </p:cNvSpPr>
+          <p:nvPr>
+            <p:ph type="body" sz="quarter" idx="12"/>
+          </p:nvPr>
+        </p:nvSpPr>
+        <p:spPr>
+          <a:xfrm>
+            <a:off x="838200" y="2993425"/>
+            <a:ext cx="10515600" cy="468313"/>
+          </a:xfrm>
+        </p:spPr>
+        <p:txBody>
+          <a:bodyPr/>
+          <a:lstStyle/>
+          <a:p>
+            <a:r>
+              <a:rPr/>
+              <a:t>Graphique associé au pingouin -0.993421052631561 308</a:t>
+            </a:r>
+          </a:p>
+        </p:txBody>
+      </p:sp>
+      <p:sp xmlns:a="http://schemas.openxmlformats.org/drawingml/2006/main" xmlns:r="http://schemas.openxmlformats.org/officeDocument/2006/relationships" xmlns:p="http://schemas.openxmlformats.org/presentationml/2006/main">
+        <p:nvSpPr>
+          <p:cNvPr id="6" name="Espace réservé du texte 15">
+            <a:hlinkClick xmlns:a="http://schemas.openxmlformats.org/drawingml/2006/main" xmlns:r="http://schemas.openxmlformats.org/officeDocument/2006/relationships" r:id="rId5" action="ppaction://hlinksldjump"/>
+          </p:cNvPr>
+          <p:cNvSpPr>
+            <a:spLocks noGrp="1"/>
+          </p:cNvSpPr>
+          <p:nvPr>
+            <p:ph type="body" sz="quarter" idx="13"/>
+          </p:nvPr>
+        </p:nvSpPr>
+        <p:spPr>
+          <a:xfrm>
+            <a:off x="838200" y="3561748"/>
+            <a:ext cx="10515600" cy="468313"/>
+          </a:xfrm>
+        </p:spPr>
+        <p:txBody>
+          <a:bodyPr/>
+          <a:lstStyle/>
+          <a:p>
+            <a:r>
+              <a:rPr/>
+              <a:t>Informations pour me contacter</a:t>
+            </a:r>
+          </a:p>
+        </p:txBody>
+      </p:sp>
+    </p:spTree>
+  </p:cSld>
+  <p:clrMapOvr>
+    <a:masterClrMapping/>
+  </p:clrMapOvr>
+</p:sld>
+</file>
+
+<file path=ppt/slides/slide3.xml><?xml version="1.0" encoding="utf-8"?>
+<p:sld xmlns:a="http://schemas.openxmlformats.org/drawingml/2006/main" xmlns:r="http://schemas.openxmlformats.org/officeDocument/2006/relationships" xmlns:p="http://schemas.openxmlformats.org/presentationml/2006/main">
+  <p:cSld>
+    <p:spTree>
+      <p:nvGrpSpPr>
+        <p:cNvPr id="1" name=""/>
+        <p:cNvGrpSpPr/>
+        <p:nvPr/>
+      </p:nvGrpSpPr>
+      <p:grpSpPr>
+        <a:xfrm>
+          <a:off x="0" y="0"/>
+          <a:ext cx="0" cy="0"/>
+          <a:chOff x="0" y="0"/>
+          <a:chExt cx="0" cy="0"/>
+        </a:xfrm>
+      </p:grpSpPr>
+      <p:sp xmlns:a="http://schemas.openxmlformats.org/drawingml/2006/main" xmlns:r="http://schemas.openxmlformats.org/officeDocument/2006/relationships" xmlns:p="http://schemas.openxmlformats.org/presentationml/2006/main">
+        <p:nvSpPr>
+          <p:cNvPr id="2" name="Espace réservé du contenu 5">
+            <a:hlinkClick xmlns:a="http://schemas.openxmlformats.org/drawingml/2006/main" xmlns:r="http://schemas.openxmlformats.org/officeDocument/2006/relationships" r:id="rId2" action="ppaction://hlinksldjump"/>
+          </p:cNvPr>
+          <p:cNvSpPr>
+            <a:spLocks noGrp="1"/>
+          </p:cNvSpPr>
+          <p:nvPr>
+            <p:ph sz="quarter" idx="13"/>
+          </p:nvPr>
+        </p:nvSpPr>
+        <p:spPr>
+          <a:xfrm>
+            <a:off x="10771188" y="5324171"/>
+            <a:ext cx="1141412" cy="824583"/>
+          </a:xfrm>
+        </p:spPr>
+        <p:txBody>
+          <a:bodyPr/>
+          <a:lstStyle/>
+          <a:p>
+            <a:r>
+              <a:rPr/>
+              <a:t>Clic retour menu</a:t>
+            </a:r>
+          </a:p>
+        </p:txBody>
+      </p:sp>
+    </p:spTree>
+  </p:cSld>
+  <p:clrMapOvr>
+    <a:masterClrMapping/>
+  </p:clrMapOvr>
+</p:sld>
+</file>
+
+<file path=ppt/slides/slide4.xml><?xml version="1.0" encoding="utf-8"?>
+<p:sld xmlns:a="http://schemas.openxmlformats.org/drawingml/2006/main" xmlns:r="http://schemas.openxmlformats.org/officeDocument/2006/relationships" xmlns:p="http://schemas.openxmlformats.org/presentationml/2006/main">
+  <p:cSld>
+    <p:spTree>
+      <p:nvGrpSpPr>
+        <p:cNvPr id="1" name=""/>
+        <p:cNvGrpSpPr/>
+        <p:nvPr/>
+      </p:nvGrpSpPr>
+      <p:grpSpPr>
+        <a:xfrm>
+          <a:off x="0" y="0"/>
+          <a:ext cx="0" cy="0"/>
+          <a:chOff x="0" y="0"/>
+          <a:chExt cx="0" cy="0"/>
+        </a:xfrm>
+      </p:grpSpPr>
+      <p:sp xmlns:a="http://schemas.openxmlformats.org/drawingml/2006/main" xmlns:r="http://schemas.openxmlformats.org/officeDocument/2006/relationships" xmlns:p="http://schemas.openxmlformats.org/presentationml/2006/main">
+        <p:nvSpPr>
+          <p:cNvPr id="2" name="Title 1"/>
+          <p:cNvSpPr>
+            <a:spLocks noGrp="1"/>
+          </p:cNvSpPr>
+          <p:nvPr>
+            <p:ph type="title"/>
+          </p:nvPr>
+        </p:nvSpPr>
+        <p:spPr>
+          <a:xfrm>
+            <a:off x="1024128" y="585216"/>
+            <a:ext cx="9720072" cy="1499616"/>
+          </a:xfrm>
+        </p:spPr>
+        <p:txBody>
+          <a:bodyPr/>
+          <a:lstStyle/>
+          <a:p>
+            <a:r>
+              <a:rPr/>
+              <a:t>Graphique LCS</a:t>
+            </a:r>
+          </a:p>
+        </p:txBody>
+      </p:sp>
+      <p:pic xmlns:a="http://schemas.openxmlformats.org/drawingml/2006/main" xmlns:r="http://schemas.openxmlformats.org/officeDocument/2006/relationships" xmlns:p="http://schemas.openxmlformats.org/presentationml/2006/main">
+        <p:nvPicPr>
+          <p:cNvPr id="3" name="Content Placeholder 2"/>
+          <p:cNvPicPr>
+            <a:picLocks noGrp="1"/>
+          </p:cNvPicPr>
+          <p:nvPr>
+            <p:ph idx="1"/>
+          </p:nvPr>
+        </p:nvPicPr>
+        <p:blipFill>
+          <a:blip cstate="print" r:embed="rId2"/>
+          <a:stretch>
+            <a:fillRect/>
+          </a:stretch>
+        </p:blipFill>
+        <p:spPr>
+          <a:xfrm>
+            <a:off x="1024128" y="2286000"/>
+            <a:ext cx="9720073" cy="4023360"/>
+          </a:xfrm>
+          <a:prstGeom prst="rect">
+            <a:avLst/>
+          </a:prstGeom>
+        </p:spPr>
+      </p:pic>
+      <p:sp xmlns:a="http://schemas.openxmlformats.org/drawingml/2006/main" xmlns:r="http://schemas.openxmlformats.org/officeDocument/2006/relationships" xmlns:p="http://schemas.openxmlformats.org/presentationml/2006/main">
+        <p:nvSpPr>
+          <p:cNvPr id="4" name="Espace réservé du contenu 5">
+            <a:hlinkClick xmlns:a="http://schemas.openxmlformats.org/drawingml/2006/main" xmlns:r="http://schemas.openxmlformats.org/officeDocument/2006/relationships" r:id="rId3" action="ppaction://hlinksldjump"/>
+          </p:cNvPr>
+          <p:cNvSpPr>
+            <a:spLocks noGrp="1"/>
+          </p:cNvSpPr>
+          <p:nvPr>
+            <p:ph sz="quarter" idx="13"/>
+          </p:nvPr>
+        </p:nvSpPr>
+        <p:spPr>
+          <a:xfrm>
+            <a:off x="10771188" y="5324171"/>
+            <a:ext cx="1141412" cy="824583"/>
+          </a:xfrm>
+        </p:spPr>
+        <p:txBody>
+          <a:bodyPr/>
+          <a:lstStyle/>
+          <a:p>
+            <a:r>
+              <a:rPr/>
+              <a:t>Clic retour menu</a:t>
+            </a:r>
+          </a:p>
+        </p:txBody>
+      </p:sp>
+    </p:spTree>
+  </p:cSld>
+  <p:clrMapOvr>
+    <a:masterClrMapping/>
+  </p:clrMapOvr>
+</p:sld>
+</file>
+
+<file path=ppt/slides/slide5.xml><?xml version="1.0" encoding="utf-8"?>
+<p:sld xmlns:a="http://schemas.openxmlformats.org/drawingml/2006/main" xmlns:r="http://schemas.openxmlformats.org/officeDocument/2006/relationships" xmlns:p="http://schemas.openxmlformats.org/presentationml/2006/main">
+  <p:cSld>
+    <p:spTree>
+      <p:nvGrpSpPr>
+        <p:cNvPr id="1" name=""/>
+        <p:cNvGrpSpPr/>
+        <p:nvPr/>
+      </p:nvGrpSpPr>
+      <p:grpSpPr>
+        <a:xfrm>
+          <a:off x="0" y="0"/>
+          <a:ext cx="0" cy="0"/>
+          <a:chOff x="0" y="0"/>
+          <a:chExt cx="0" cy="0"/>
+        </a:xfrm>
+      </p:grpSpPr>
+      <p:sp xmlns:a="http://schemas.openxmlformats.org/drawingml/2006/main" xmlns:r="http://schemas.openxmlformats.org/officeDocument/2006/relationships" xmlns:p="http://schemas.openxmlformats.org/presentationml/2006/main">
+        <p:nvSpPr>
+          <p:cNvPr id="2" name="Title 1"/>
+          <p:cNvSpPr>
+            <a:spLocks noGrp="1"/>
+          </p:cNvSpPr>
+          <p:nvPr>
+            <p:ph type="title"/>
+          </p:nvPr>
+        </p:nvSpPr>
+        <p:spPr>
+          <a:xfrm>
+            <a:off x="1263159" y="96249"/>
+            <a:ext cx="10515600" cy="1325563"/>
+          </a:xfrm>
+        </p:spPr>
+        <p:txBody>
+          <a:bodyPr/>
+          <a:lstStyle/>
+          <a:p>
+            <a:r>
+              <a:rPr/>
+              <a:t>Graphique du pingouin</a:t>
+            </a:r>
+          </a:p>
+        </p:txBody>
+      </p:sp>
+      <p:pic xmlns:a="http://schemas.openxmlformats.org/drawingml/2006/main" xmlns:r="http://schemas.openxmlformats.org/officeDocument/2006/relationships" xmlns:p="http://schemas.openxmlformats.org/presentationml/2006/main">
+        <p:nvPicPr>
+          <p:cNvPr id="3" name="Espace réservé du contenu 3"/>
+          <p:cNvPicPr>
+            <a:picLocks noGrp="1"/>
+          </p:cNvPicPr>
+          <p:nvPr>
+            <p:ph sz="quarter" idx="15"/>
+          </p:nvPr>
+        </p:nvPicPr>
+        <p:blipFill>
+          <a:blip cstate="print" r:embed="rId2"/>
+          <a:stretch>
+            <a:fillRect/>
+          </a:stretch>
+        </p:blipFill>
+        <p:spPr>
+          <a:xfrm>
+            <a:off x="0" y="0"/>
+            <a:ext cx="1263650" cy="1157288"/>
+          </a:xfrm>
+          <a:prstGeom prst="rect">
+            <a:avLst/>
+          </a:prstGeom>
+        </p:spPr>
+      </p:pic>
+      <p:sp xmlns:a="http://schemas.openxmlformats.org/drawingml/2006/main" xmlns:r="http://schemas.openxmlformats.org/officeDocument/2006/relationships" xmlns:p="http://schemas.openxmlformats.org/presentationml/2006/main">
+        <p:nvSpPr>
+          <p:cNvPr id="4" name="Espace réservé du contenu 8"/>
+          <p:cNvSpPr>
+            <a:spLocks noGrp="1"/>
+          </p:cNvSpPr>
+          <p:nvPr>
+            <p:ph sz="quarter" idx="16"/>
+          </p:nvPr>
+        </p:nvSpPr>
+        <p:spPr>
+          <a:xfrm>
+            <a:off x="0" y="1157288"/>
+            <a:ext cx="1263650" cy="460375"/>
+          </a:xfrm>
+        </p:spPr>
+        <p:txBody>
+          <a:bodyPr/>
+          <a:lstStyle/>
+          <a:p>
+            <a:r>
+              <a:rPr/>
+              <a:t>2000 A</a:t>
+            </a:r>
+          </a:p>
+        </p:txBody>
+      </p:sp>
+      <p:pic xmlns:a="http://schemas.openxmlformats.org/drawingml/2006/main" xmlns:r="http://schemas.openxmlformats.org/officeDocument/2006/relationships" xmlns:p="http://schemas.openxmlformats.org/presentationml/2006/main">
+        <p:nvPicPr>
+          <p:cNvPr id="5" name="Espace réservé du contenu 6"/>
+          <p:cNvPicPr>
+            <a:picLocks noGrp="1"/>
+          </p:cNvPicPr>
+          <p:nvPr>
+            <p:ph sz="quarter" idx="11"/>
+          </p:nvPr>
+        </p:nvPicPr>
+        <p:blipFill>
+          <a:blip cstate="print" r:embed="rId3"/>
+          <a:stretch>
+            <a:fillRect/>
+          </a:stretch>
+        </p:blipFill>
+        <p:spPr>
+          <a:xfrm>
+            <a:off x="362791" y="1617785"/>
+            <a:ext cx="10146318" cy="4835403"/>
+          </a:xfrm>
+          <a:prstGeom prst="rect">
+            <a:avLst/>
+          </a:prstGeom>
+        </p:spPr>
+      </p:pic>
+      <p:sp xmlns:a="http://schemas.openxmlformats.org/drawingml/2006/main" xmlns:r="http://schemas.openxmlformats.org/officeDocument/2006/relationships" xmlns:p="http://schemas.openxmlformats.org/presentationml/2006/main">
+        <p:nvSpPr>
+          <p:cNvPr id="6" name="Espace réservé du contenu 5">
+            <a:hlinkClick xmlns:a="http://schemas.openxmlformats.org/drawingml/2006/main" xmlns:r="http://schemas.openxmlformats.org/officeDocument/2006/relationships" r:id="rId4" action="ppaction://hlinksldjump"/>
+          </p:cNvPr>
+          <p:cNvSpPr>
+            <a:spLocks noGrp="1"/>
+          </p:cNvSpPr>
+          <p:nvPr>
+            <p:ph sz="quarter" idx="13"/>
+          </p:nvPr>
+        </p:nvSpPr>
+        <p:spPr>
+          <a:xfrm>
+            <a:off x="10771188" y="5324171"/>
+            <a:ext cx="1141412" cy="824583"/>
+          </a:xfrm>
+        </p:spPr>
+        <p:txBody>
+          <a:bodyPr/>
+          <a:lstStyle/>
+          <a:p>
+            <a:r>
+              <a:rPr/>
+              <a:t>Clic retour menu</a:t>
+            </a:r>
+          </a:p>
+        </p:txBody>
+      </p:sp>
+    </p:spTree>
+  </p:cSld>
+  <p:clrMapOvr>
+    <a:masterClrMapping/>
+  </p:clrMapOvr>
+</p:sld>
+</file>
+
+<file path=ppt/slides/slide6.xml><?xml version="1.0" encoding="utf-8"?>
+<p:sld xmlns:a="http://schemas.openxmlformats.org/drawingml/2006/main" xmlns:r="http://schemas.openxmlformats.org/officeDocument/2006/relationships" xmlns:p="http://schemas.openxmlformats.org/presentationml/2006/main">
+  <p:cSld>
+    <p:spTree>
+      <p:nvGrpSpPr>
+        <p:cNvPr id="1" name=""/>
+        <p:cNvGrpSpPr/>
+        <p:nvPr/>
+      </p:nvGrpSpPr>
+      <p:grpSpPr>
+        <a:xfrm>
+          <a:off x="0" y="0"/>
+          <a:ext cx="0" cy="0"/>
+          <a:chOff x="0" y="0"/>
+          <a:chExt cx="0" cy="0"/>
+        </a:xfrm>
+      </p:grpSpPr>
+      <p:sp xmlns:a="http://schemas.openxmlformats.org/drawingml/2006/main" xmlns:r="http://schemas.openxmlformats.org/officeDocument/2006/relationships" xmlns:p="http://schemas.openxmlformats.org/presentationml/2006/main">
+        <p:nvSpPr>
+          <p:cNvPr id="2" name="Espace réservé du contenu 5">
+            <a:hlinkClick xmlns:a="http://schemas.openxmlformats.org/drawingml/2006/main" xmlns:r="http://schemas.openxmlformats.org/officeDocument/2006/relationships" r:id="rId2" action="ppaction://hlinksldjump"/>
+          </p:cNvPr>
+          <p:cNvSpPr>
+            <a:spLocks noGrp="1"/>
+          </p:cNvSpPr>
+          <p:nvPr>
+            <p:ph sz="quarter" idx="13"/>
+          </p:nvPr>
+        </p:nvSpPr>
+        <p:spPr>
+          <a:xfrm>
+            <a:off x="10771188" y="5324171"/>
+            <a:ext cx="1141412" cy="824583"/>
+          </a:xfrm>
+        </p:spPr>
+        <p:txBody>
+          <a:bodyPr/>
+          <a:lstStyle/>
+          <a:p>
+            <a:r>
+              <a:rPr/>
+              <a:t>Clic retour menu</a:t>
             </a:r>
           </a:p>
         </p:txBody>
